--- a/plots/2021_03_26/basplusact_sequencing_501YV1 501YV2 501YV3.pptx
+++ b/plots/2021_03_26/basplusact_sequencing_501YV1 501YV2 501YV3.pptx
@@ -3183,7 +3183,7 @@
           </p:nvSpPr>
           <p:spPr>
             <a:xfrm>
-              <a:off x="2690652" y="5461357"/>
+              <a:off x="2690652" y="5481180"/>
               <a:ext cx="3882012" cy="0"/>
             </a:xfrm>
             <a:custGeom>
@@ -3226,7 +3226,7 @@
           </p:nvSpPr>
           <p:spPr>
             <a:xfrm>
-              <a:off x="2690652" y="4533656"/>
+              <a:off x="2690652" y="4652595"/>
               <a:ext cx="3882012" cy="0"/>
             </a:xfrm>
             <a:custGeom>
@@ -3269,7 +3269,7 @@
           </p:nvSpPr>
           <p:spPr>
             <a:xfrm>
-              <a:off x="2690652" y="3605955"/>
+              <a:off x="2690652" y="3824010"/>
               <a:ext cx="3882012" cy="0"/>
             </a:xfrm>
             <a:custGeom>
@@ -3312,7 +3312,7 @@
           </p:nvSpPr>
           <p:spPr>
             <a:xfrm>
-              <a:off x="2690652" y="2678254"/>
+              <a:off x="2690652" y="2995424"/>
               <a:ext cx="3882012" cy="0"/>
             </a:xfrm>
             <a:custGeom>
@@ -3355,7 +3355,7 @@
           </p:nvSpPr>
           <p:spPr>
             <a:xfrm>
-              <a:off x="2690652" y="1750554"/>
+              <a:off x="2690652" y="2166839"/>
               <a:ext cx="3882012" cy="0"/>
             </a:xfrm>
             <a:custGeom>
@@ -3398,13 +3398,13 @@
           </p:nvSpPr>
           <p:spPr>
             <a:xfrm>
-              <a:off x="2776919" y="1750554"/>
-              <a:ext cx="3623211" cy="3710803"/>
+              <a:off x="2776919" y="2166839"/>
+              <a:ext cx="3623211" cy="3314340"/>
             </a:xfrm>
             <a:custGeom>
               <a:avLst/>
               <a:pathLst>
-                <a:path w="3623211" h="3710803">
+                <a:path w="3623211" h="3314340">
                   <a:moveTo>
                     <a:pt x="0" y="0"/>
                   </a:moveTo>
@@ -3445,43 +3445,43 @@
                     <a:pt x="3623211" y="0"/>
                   </a:lnTo>
                   <a:lnTo>
-                    <a:pt x="3623211" y="1175598"/>
-                  </a:lnTo>
-                  <a:lnTo>
-                    <a:pt x="3321277" y="1626488"/>
-                  </a:lnTo>
-                  <a:lnTo>
-                    <a:pt x="3019342" y="1764577"/>
-                  </a:lnTo>
-                  <a:lnTo>
-                    <a:pt x="2717408" y="2089768"/>
-                  </a:lnTo>
-                  <a:lnTo>
-                    <a:pt x="2415474" y="2092178"/>
-                  </a:lnTo>
-                  <a:lnTo>
-                    <a:pt x="2113539" y="2161829"/>
-                  </a:lnTo>
-                  <a:lnTo>
-                    <a:pt x="1811605" y="1957149"/>
-                  </a:lnTo>
-                  <a:lnTo>
-                    <a:pt x="1509671" y="3022320"/>
-                  </a:lnTo>
-                  <a:lnTo>
-                    <a:pt x="1207737" y="2883394"/>
-                  </a:lnTo>
-                  <a:lnTo>
-                    <a:pt x="905802" y="2915631"/>
-                  </a:lnTo>
-                  <a:lnTo>
-                    <a:pt x="603868" y="3676759"/>
-                  </a:lnTo>
-                  <a:lnTo>
-                    <a:pt x="301934" y="3710803"/>
-                  </a:lnTo>
-                  <a:lnTo>
-                    <a:pt x="0" y="3606761"/>
+                    <a:pt x="3623211" y="1049997"/>
+                  </a:lnTo>
+                  <a:lnTo>
+                    <a:pt x="3321277" y="1452714"/>
+                  </a:lnTo>
+                  <a:lnTo>
+                    <a:pt x="3019342" y="1576050"/>
+                  </a:lnTo>
+                  <a:lnTo>
+                    <a:pt x="2717408" y="1866497"/>
+                  </a:lnTo>
+                  <a:lnTo>
+                    <a:pt x="2415474" y="1868650"/>
+                  </a:lnTo>
+                  <a:lnTo>
+                    <a:pt x="2113539" y="1930859"/>
+                  </a:lnTo>
+                  <a:lnTo>
+                    <a:pt x="1811605" y="1748047"/>
+                  </a:lnTo>
+                  <a:lnTo>
+                    <a:pt x="1509671" y="2699415"/>
+                  </a:lnTo>
+                  <a:lnTo>
+                    <a:pt x="1207737" y="2575332"/>
+                  </a:lnTo>
+                  <a:lnTo>
+                    <a:pt x="905802" y="2604124"/>
+                  </a:lnTo>
+                  <a:lnTo>
+                    <a:pt x="603868" y="3283933"/>
+                  </a:lnTo>
+                  <a:lnTo>
+                    <a:pt x="301934" y="3314340"/>
+                  </a:lnTo>
+                  <a:lnTo>
+                    <a:pt x="0" y="3221415"/>
                   </a:lnTo>
                   <a:close/>
                 </a:path>
@@ -3507,7 +3507,7 @@
           </p:nvSpPr>
           <p:spPr>
             <a:xfrm>
-              <a:off x="2776919" y="1750554"/>
+              <a:off x="2776919" y="2166839"/>
               <a:ext cx="3623211" cy="0"/>
             </a:xfrm>
             <a:custGeom>
@@ -3571,90 +3571,90 @@
           </p:nvSpPr>
           <p:spPr>
             <a:xfrm>
-              <a:off x="2776919" y="2926152"/>
-              <a:ext cx="3623211" cy="2535204"/>
+              <a:off x="2776919" y="3216837"/>
+              <a:ext cx="3623211" cy="2264342"/>
             </a:xfrm>
             <a:custGeom>
               <a:avLst/>
               <a:pathLst>
-                <a:path w="3623211" h="2535204">
+                <a:path w="3623211" h="2264342">
                   <a:moveTo>
-                    <a:pt x="0" y="2431163"/>
+                    <a:pt x="0" y="2171417"/>
                   </a:moveTo>
                   <a:lnTo>
-                    <a:pt x="301934" y="2535204"/>
-                  </a:lnTo>
-                  <a:lnTo>
-                    <a:pt x="603868" y="2501160"/>
-                  </a:lnTo>
-                  <a:lnTo>
-                    <a:pt x="905802" y="1740032"/>
-                  </a:lnTo>
-                  <a:lnTo>
-                    <a:pt x="1207737" y="1707795"/>
-                  </a:lnTo>
-                  <a:lnTo>
-                    <a:pt x="1509671" y="1846721"/>
-                  </a:lnTo>
-                  <a:lnTo>
-                    <a:pt x="1811605" y="781550"/>
-                  </a:lnTo>
-                  <a:lnTo>
-                    <a:pt x="2113539" y="986230"/>
-                  </a:lnTo>
-                  <a:lnTo>
-                    <a:pt x="2415474" y="916579"/>
-                  </a:lnTo>
-                  <a:lnTo>
-                    <a:pt x="2717408" y="914169"/>
-                  </a:lnTo>
-                  <a:lnTo>
-                    <a:pt x="3019342" y="588978"/>
-                  </a:lnTo>
-                  <a:lnTo>
-                    <a:pt x="3321277" y="450889"/>
+                    <a:pt x="301934" y="2264342"/>
+                  </a:lnTo>
+                  <a:lnTo>
+                    <a:pt x="603868" y="2233936"/>
+                  </a:lnTo>
+                  <a:lnTo>
+                    <a:pt x="905802" y="1554127"/>
+                  </a:lnTo>
+                  <a:lnTo>
+                    <a:pt x="1207737" y="1525334"/>
+                  </a:lnTo>
+                  <a:lnTo>
+                    <a:pt x="1509671" y="1649418"/>
+                  </a:lnTo>
+                  <a:lnTo>
+                    <a:pt x="1811605" y="698049"/>
+                  </a:lnTo>
+                  <a:lnTo>
+                    <a:pt x="2113539" y="880861"/>
+                  </a:lnTo>
+                  <a:lnTo>
+                    <a:pt x="2415474" y="818652"/>
+                  </a:lnTo>
+                  <a:lnTo>
+                    <a:pt x="2717408" y="816499"/>
+                  </a:lnTo>
+                  <a:lnTo>
+                    <a:pt x="3019342" y="526052"/>
+                  </a:lnTo>
+                  <a:lnTo>
+                    <a:pt x="3321277" y="402716"/>
                   </a:lnTo>
                   <a:lnTo>
                     <a:pt x="3623211" y="0"/>
                   </a:lnTo>
                   <a:lnTo>
-                    <a:pt x="3623211" y="2080298"/>
-                  </a:lnTo>
-                  <a:lnTo>
-                    <a:pt x="3321277" y="2118341"/>
-                  </a:lnTo>
-                  <a:lnTo>
-                    <a:pt x="3019342" y="2081085"/>
-                  </a:lnTo>
-                  <a:lnTo>
-                    <a:pt x="2717408" y="2297582"/>
-                  </a:lnTo>
-                  <a:lnTo>
-                    <a:pt x="2415474" y="2391585"/>
-                  </a:lnTo>
-                  <a:lnTo>
-                    <a:pt x="2113539" y="2454388"/>
-                  </a:lnTo>
-                  <a:lnTo>
-                    <a:pt x="1811605" y="2301782"/>
-                  </a:lnTo>
-                  <a:lnTo>
-                    <a:pt x="1509671" y="2441850"/>
-                  </a:lnTo>
-                  <a:lnTo>
-                    <a:pt x="1207737" y="2359693"/>
-                  </a:lnTo>
-                  <a:lnTo>
-                    <a:pt x="905802" y="2482192"/>
-                  </a:lnTo>
-                  <a:lnTo>
-                    <a:pt x="603868" y="2518182"/>
-                  </a:lnTo>
-                  <a:lnTo>
-                    <a:pt x="301934" y="2535204"/>
-                  </a:lnTo>
-                  <a:lnTo>
-                    <a:pt x="0" y="2535204"/>
+                    <a:pt x="3623211" y="1858039"/>
+                  </a:lnTo>
+                  <a:lnTo>
+                    <a:pt x="3321277" y="1892017"/>
+                  </a:lnTo>
+                  <a:lnTo>
+                    <a:pt x="3019342" y="1858741"/>
+                  </a:lnTo>
+                  <a:lnTo>
+                    <a:pt x="2717408" y="2052108"/>
+                  </a:lnTo>
+                  <a:lnTo>
+                    <a:pt x="2415474" y="2136068"/>
+                  </a:lnTo>
+                  <a:lnTo>
+                    <a:pt x="2113539" y="2192161"/>
+                  </a:lnTo>
+                  <a:lnTo>
+                    <a:pt x="1811605" y="2055860"/>
+                  </a:lnTo>
+                  <a:lnTo>
+                    <a:pt x="1509671" y="2180963"/>
+                  </a:lnTo>
+                  <a:lnTo>
+                    <a:pt x="1207737" y="2107583"/>
+                  </a:lnTo>
+                  <a:lnTo>
+                    <a:pt x="905802" y="2216995"/>
+                  </a:lnTo>
+                  <a:lnTo>
+                    <a:pt x="603868" y="2249139"/>
+                  </a:lnTo>
+                  <a:lnTo>
+                    <a:pt x="301934" y="2264342"/>
+                  </a:lnTo>
+                  <a:lnTo>
+                    <a:pt x="0" y="2264342"/>
                   </a:lnTo>
                   <a:close/>
                 </a:path>
@@ -3680,48 +3680,48 @@
           </p:nvSpPr>
           <p:spPr>
             <a:xfrm>
-              <a:off x="2776919" y="2926152"/>
-              <a:ext cx="3623211" cy="2535204"/>
+              <a:off x="2776919" y="3216837"/>
+              <a:ext cx="3623211" cy="2264342"/>
             </a:xfrm>
             <a:custGeom>
               <a:avLst/>
               <a:pathLst>
-                <a:path w="3623211" h="2535204">
+                <a:path w="3623211" h="2264342">
                   <a:moveTo>
-                    <a:pt x="0" y="2431163"/>
+                    <a:pt x="0" y="2171417"/>
                   </a:moveTo>
                   <a:lnTo>
-                    <a:pt x="301934" y="2535204"/>
-                  </a:lnTo>
-                  <a:lnTo>
-                    <a:pt x="603868" y="2501160"/>
-                  </a:lnTo>
-                  <a:lnTo>
-                    <a:pt x="905802" y="1740032"/>
-                  </a:lnTo>
-                  <a:lnTo>
-                    <a:pt x="1207737" y="1707795"/>
-                  </a:lnTo>
-                  <a:lnTo>
-                    <a:pt x="1509671" y="1846721"/>
-                  </a:lnTo>
-                  <a:lnTo>
-                    <a:pt x="1811605" y="781550"/>
-                  </a:lnTo>
-                  <a:lnTo>
-                    <a:pt x="2113539" y="986230"/>
-                  </a:lnTo>
-                  <a:lnTo>
-                    <a:pt x="2415474" y="916579"/>
-                  </a:lnTo>
-                  <a:lnTo>
-                    <a:pt x="2717408" y="914169"/>
-                  </a:lnTo>
-                  <a:lnTo>
-                    <a:pt x="3019342" y="588978"/>
-                  </a:lnTo>
-                  <a:lnTo>
-                    <a:pt x="3321277" y="450889"/>
+                    <a:pt x="301934" y="2264342"/>
+                  </a:lnTo>
+                  <a:lnTo>
+                    <a:pt x="603868" y="2233936"/>
+                  </a:lnTo>
+                  <a:lnTo>
+                    <a:pt x="905802" y="1554127"/>
+                  </a:lnTo>
+                  <a:lnTo>
+                    <a:pt x="1207737" y="1525334"/>
+                  </a:lnTo>
+                  <a:lnTo>
+                    <a:pt x="1509671" y="1649418"/>
+                  </a:lnTo>
+                  <a:lnTo>
+                    <a:pt x="1811605" y="698049"/>
+                  </a:lnTo>
+                  <a:lnTo>
+                    <a:pt x="2113539" y="880861"/>
+                  </a:lnTo>
+                  <a:lnTo>
+                    <a:pt x="2415474" y="818652"/>
+                  </a:lnTo>
+                  <a:lnTo>
+                    <a:pt x="2717408" y="816499"/>
+                  </a:lnTo>
+                  <a:lnTo>
+                    <a:pt x="3019342" y="526052"/>
+                  </a:lnTo>
+                  <a:lnTo>
+                    <a:pt x="3321277" y="402716"/>
                   </a:lnTo>
                   <a:lnTo>
                     <a:pt x="3623211" y="0"/>
@@ -3744,87 +3744,87 @@
           </p:nvSpPr>
           <p:spPr>
             <a:xfrm>
-              <a:off x="2776919" y="5006451"/>
-              <a:ext cx="3623211" cy="454905"/>
+              <a:off x="2776919" y="5074876"/>
+              <a:ext cx="3623211" cy="406303"/>
             </a:xfrm>
             <a:custGeom>
               <a:avLst/>
               <a:pathLst>
-                <a:path w="3623211" h="454905">
+                <a:path w="3623211" h="406303">
                   <a:moveTo>
-                    <a:pt x="0" y="454905"/>
+                    <a:pt x="0" y="406303"/>
                   </a:moveTo>
                   <a:lnTo>
-                    <a:pt x="301934" y="454905"/>
-                  </a:lnTo>
-                  <a:lnTo>
-                    <a:pt x="603868" y="437883"/>
-                  </a:lnTo>
-                  <a:lnTo>
-                    <a:pt x="905802" y="401894"/>
-                  </a:lnTo>
-                  <a:lnTo>
-                    <a:pt x="1207737" y="279394"/>
-                  </a:lnTo>
-                  <a:lnTo>
-                    <a:pt x="1509671" y="361552"/>
-                  </a:lnTo>
-                  <a:lnTo>
-                    <a:pt x="1811605" y="221484"/>
-                  </a:lnTo>
-                  <a:lnTo>
-                    <a:pt x="2113539" y="374089"/>
-                  </a:lnTo>
-                  <a:lnTo>
-                    <a:pt x="2415474" y="311286"/>
-                  </a:lnTo>
-                  <a:lnTo>
-                    <a:pt x="2717408" y="217284"/>
-                  </a:lnTo>
-                  <a:lnTo>
-                    <a:pt x="3019342" y="786"/>
-                  </a:lnTo>
-                  <a:lnTo>
-                    <a:pt x="3321277" y="38042"/>
+                    <a:pt x="301934" y="406303"/>
+                  </a:lnTo>
+                  <a:lnTo>
+                    <a:pt x="603868" y="391100"/>
+                  </a:lnTo>
+                  <a:lnTo>
+                    <a:pt x="905802" y="358955"/>
+                  </a:lnTo>
+                  <a:lnTo>
+                    <a:pt x="1207737" y="249544"/>
+                  </a:lnTo>
+                  <a:lnTo>
+                    <a:pt x="1509671" y="322923"/>
+                  </a:lnTo>
+                  <a:lnTo>
+                    <a:pt x="1811605" y="197820"/>
+                  </a:lnTo>
+                  <a:lnTo>
+                    <a:pt x="2113539" y="334121"/>
+                  </a:lnTo>
+                  <a:lnTo>
+                    <a:pt x="2415474" y="278028"/>
+                  </a:lnTo>
+                  <a:lnTo>
+                    <a:pt x="2717408" y="194069"/>
+                  </a:lnTo>
+                  <a:lnTo>
+                    <a:pt x="3019342" y="702"/>
+                  </a:lnTo>
+                  <a:lnTo>
+                    <a:pt x="3321277" y="33978"/>
                   </a:lnTo>
                   <a:lnTo>
                     <a:pt x="3623211" y="0"/>
                   </a:lnTo>
                   <a:lnTo>
-                    <a:pt x="3623211" y="365457"/>
-                  </a:lnTo>
-                  <a:lnTo>
-                    <a:pt x="3321277" y="344063"/>
-                  </a:lnTo>
-                  <a:lnTo>
-                    <a:pt x="3019342" y="377056"/>
-                  </a:lnTo>
-                  <a:lnTo>
-                    <a:pt x="2717408" y="428864"/>
-                  </a:lnTo>
-                  <a:lnTo>
-                    <a:pt x="2415474" y="447142"/>
-                  </a:lnTo>
-                  <a:lnTo>
-                    <a:pt x="2113539" y="454905"/>
-                  </a:lnTo>
-                  <a:lnTo>
-                    <a:pt x="1811605" y="454905"/>
-                  </a:lnTo>
-                  <a:lnTo>
-                    <a:pt x="1509671" y="454905"/>
-                  </a:lnTo>
-                  <a:lnTo>
-                    <a:pt x="1207737" y="454905"/>
-                  </a:lnTo>
-                  <a:lnTo>
-                    <a:pt x="905802" y="454905"/>
-                  </a:lnTo>
-                  <a:lnTo>
-                    <a:pt x="603868" y="454905"/>
-                  </a:lnTo>
-                  <a:lnTo>
-                    <a:pt x="301934" y="454905"/>
+                    <a:pt x="3623211" y="326412"/>
+                  </a:lnTo>
+                  <a:lnTo>
+                    <a:pt x="3321277" y="307303"/>
+                  </a:lnTo>
+                  <a:lnTo>
+                    <a:pt x="3019342" y="336771"/>
+                  </a:lnTo>
+                  <a:lnTo>
+                    <a:pt x="2717408" y="383044"/>
+                  </a:lnTo>
+                  <a:lnTo>
+                    <a:pt x="2415474" y="399369"/>
+                  </a:lnTo>
+                  <a:lnTo>
+                    <a:pt x="2113539" y="406303"/>
+                  </a:lnTo>
+                  <a:lnTo>
+                    <a:pt x="1811605" y="406303"/>
+                  </a:lnTo>
+                  <a:lnTo>
+                    <a:pt x="1509671" y="406303"/>
+                  </a:lnTo>
+                  <a:lnTo>
+                    <a:pt x="1207737" y="406303"/>
+                  </a:lnTo>
+                  <a:lnTo>
+                    <a:pt x="905802" y="406303"/>
+                  </a:lnTo>
+                  <a:lnTo>
+                    <a:pt x="603868" y="406303"/>
+                  </a:lnTo>
+                  <a:lnTo>
+                    <a:pt x="301934" y="406303"/>
                   </a:lnTo>
                   <a:close/>
                 </a:path>
@@ -3850,48 +3850,48 @@
           </p:nvSpPr>
           <p:spPr>
             <a:xfrm>
-              <a:off x="2776919" y="5006451"/>
-              <a:ext cx="3623211" cy="454905"/>
+              <a:off x="2776919" y="5074876"/>
+              <a:ext cx="3623211" cy="406303"/>
             </a:xfrm>
             <a:custGeom>
               <a:avLst/>
               <a:pathLst>
-                <a:path w="3623211" h="454905">
+                <a:path w="3623211" h="406303">
                   <a:moveTo>
-                    <a:pt x="0" y="454905"/>
+                    <a:pt x="0" y="406303"/>
                   </a:moveTo>
                   <a:lnTo>
-                    <a:pt x="301934" y="454905"/>
-                  </a:lnTo>
-                  <a:lnTo>
-                    <a:pt x="603868" y="437883"/>
-                  </a:lnTo>
-                  <a:lnTo>
-                    <a:pt x="905802" y="401894"/>
-                  </a:lnTo>
-                  <a:lnTo>
-                    <a:pt x="1207737" y="279394"/>
-                  </a:lnTo>
-                  <a:lnTo>
-                    <a:pt x="1509671" y="361552"/>
-                  </a:lnTo>
-                  <a:lnTo>
-                    <a:pt x="1811605" y="221484"/>
-                  </a:lnTo>
-                  <a:lnTo>
-                    <a:pt x="2113539" y="374089"/>
-                  </a:lnTo>
-                  <a:lnTo>
-                    <a:pt x="2415474" y="311286"/>
-                  </a:lnTo>
-                  <a:lnTo>
-                    <a:pt x="2717408" y="217284"/>
-                  </a:lnTo>
-                  <a:lnTo>
-                    <a:pt x="3019342" y="786"/>
-                  </a:lnTo>
-                  <a:lnTo>
-                    <a:pt x="3321277" y="38042"/>
+                    <a:pt x="301934" y="406303"/>
+                  </a:lnTo>
+                  <a:lnTo>
+                    <a:pt x="603868" y="391100"/>
+                  </a:lnTo>
+                  <a:lnTo>
+                    <a:pt x="905802" y="358955"/>
+                  </a:lnTo>
+                  <a:lnTo>
+                    <a:pt x="1207737" y="249544"/>
+                  </a:lnTo>
+                  <a:lnTo>
+                    <a:pt x="1509671" y="322923"/>
+                  </a:lnTo>
+                  <a:lnTo>
+                    <a:pt x="1811605" y="197820"/>
+                  </a:lnTo>
+                  <a:lnTo>
+                    <a:pt x="2113539" y="334121"/>
+                  </a:lnTo>
+                  <a:lnTo>
+                    <a:pt x="2415474" y="278028"/>
+                  </a:lnTo>
+                  <a:lnTo>
+                    <a:pt x="2717408" y="194069"/>
+                  </a:lnTo>
+                  <a:lnTo>
+                    <a:pt x="3019342" y="702"/>
+                  </a:lnTo>
+                  <a:lnTo>
+                    <a:pt x="3321277" y="33978"/>
                   </a:lnTo>
                   <a:lnTo>
                     <a:pt x="3623211" y="0"/>
@@ -3914,87 +3914,87 @@
           </p:nvSpPr>
           <p:spPr>
             <a:xfrm>
-              <a:off x="2776919" y="5350515"/>
-              <a:ext cx="3623211" cy="110842"/>
+              <a:off x="2776919" y="5382180"/>
+              <a:ext cx="3623211" cy="98999"/>
             </a:xfrm>
             <a:custGeom>
               <a:avLst/>
               <a:pathLst>
-                <a:path w="3623211" h="110842">
+                <a:path w="3623211" h="98999">
                   <a:moveTo>
-                    <a:pt x="0" y="110842"/>
+                    <a:pt x="0" y="98999"/>
                   </a:moveTo>
                   <a:lnTo>
-                    <a:pt x="301934" y="110842"/>
-                  </a:lnTo>
-                  <a:lnTo>
-                    <a:pt x="603868" y="110842"/>
-                  </a:lnTo>
-                  <a:lnTo>
-                    <a:pt x="905802" y="110842"/>
-                  </a:lnTo>
-                  <a:lnTo>
-                    <a:pt x="1207737" y="110842"/>
-                  </a:lnTo>
-                  <a:lnTo>
-                    <a:pt x="1509671" y="110842"/>
-                  </a:lnTo>
-                  <a:lnTo>
-                    <a:pt x="1811605" y="110842"/>
-                  </a:lnTo>
-                  <a:lnTo>
-                    <a:pt x="2113539" y="110842"/>
-                  </a:lnTo>
-                  <a:lnTo>
-                    <a:pt x="2415474" y="103078"/>
-                  </a:lnTo>
-                  <a:lnTo>
-                    <a:pt x="2717408" y="84801"/>
-                  </a:lnTo>
-                  <a:lnTo>
-                    <a:pt x="3019342" y="32993"/>
+                    <a:pt x="301934" y="98999"/>
+                  </a:lnTo>
+                  <a:lnTo>
+                    <a:pt x="603868" y="98999"/>
+                  </a:lnTo>
+                  <a:lnTo>
+                    <a:pt x="905802" y="98999"/>
+                  </a:lnTo>
+                  <a:lnTo>
+                    <a:pt x="1207737" y="98999"/>
+                  </a:lnTo>
+                  <a:lnTo>
+                    <a:pt x="1509671" y="98999"/>
+                  </a:lnTo>
+                  <a:lnTo>
+                    <a:pt x="1811605" y="98999"/>
+                  </a:lnTo>
+                  <a:lnTo>
+                    <a:pt x="2113539" y="98999"/>
+                  </a:lnTo>
+                  <a:lnTo>
+                    <a:pt x="2415474" y="92066"/>
+                  </a:lnTo>
+                  <a:lnTo>
+                    <a:pt x="2717408" y="75741"/>
+                  </a:lnTo>
+                  <a:lnTo>
+                    <a:pt x="3019342" y="29468"/>
                   </a:lnTo>
                   <a:lnTo>
                     <a:pt x="3321277" y="0"/>
                   </a:lnTo>
                   <a:lnTo>
-                    <a:pt x="3623211" y="21394"/>
-                  </a:lnTo>
-                  <a:lnTo>
-                    <a:pt x="3623211" y="110842"/>
-                  </a:lnTo>
-                  <a:lnTo>
-                    <a:pt x="3321277" y="110842"/>
-                  </a:lnTo>
-                  <a:lnTo>
-                    <a:pt x="3019342" y="110842"/>
-                  </a:lnTo>
-                  <a:lnTo>
-                    <a:pt x="2717408" y="110842"/>
-                  </a:lnTo>
-                  <a:lnTo>
-                    <a:pt x="2415474" y="110842"/>
-                  </a:lnTo>
-                  <a:lnTo>
-                    <a:pt x="2113539" y="110842"/>
-                  </a:lnTo>
-                  <a:lnTo>
-                    <a:pt x="1811605" y="110842"/>
-                  </a:lnTo>
-                  <a:lnTo>
-                    <a:pt x="1509671" y="110842"/>
-                  </a:lnTo>
-                  <a:lnTo>
-                    <a:pt x="1207737" y="110842"/>
-                  </a:lnTo>
-                  <a:lnTo>
-                    <a:pt x="905802" y="110842"/>
-                  </a:lnTo>
-                  <a:lnTo>
-                    <a:pt x="603868" y="110842"/>
-                  </a:lnTo>
-                  <a:lnTo>
-                    <a:pt x="301934" y="110842"/>
+                    <a:pt x="3623211" y="19108"/>
+                  </a:lnTo>
+                  <a:lnTo>
+                    <a:pt x="3623211" y="98999"/>
+                  </a:lnTo>
+                  <a:lnTo>
+                    <a:pt x="3321277" y="98999"/>
+                  </a:lnTo>
+                  <a:lnTo>
+                    <a:pt x="3019342" y="98999"/>
+                  </a:lnTo>
+                  <a:lnTo>
+                    <a:pt x="2717408" y="98999"/>
+                  </a:lnTo>
+                  <a:lnTo>
+                    <a:pt x="2415474" y="98999"/>
+                  </a:lnTo>
+                  <a:lnTo>
+                    <a:pt x="2113539" y="98999"/>
+                  </a:lnTo>
+                  <a:lnTo>
+                    <a:pt x="1811605" y="98999"/>
+                  </a:lnTo>
+                  <a:lnTo>
+                    <a:pt x="1509671" y="98999"/>
+                  </a:lnTo>
+                  <a:lnTo>
+                    <a:pt x="1207737" y="98999"/>
+                  </a:lnTo>
+                  <a:lnTo>
+                    <a:pt x="905802" y="98999"/>
+                  </a:lnTo>
+                  <a:lnTo>
+                    <a:pt x="603868" y="98999"/>
+                  </a:lnTo>
+                  <a:lnTo>
+                    <a:pt x="301934" y="98999"/>
                   </a:lnTo>
                   <a:close/>
                 </a:path>
@@ -4020,51 +4020,51 @@
           </p:nvSpPr>
           <p:spPr>
             <a:xfrm>
-              <a:off x="2776919" y="5350515"/>
-              <a:ext cx="3623211" cy="110842"/>
+              <a:off x="2776919" y="5382180"/>
+              <a:ext cx="3623211" cy="98999"/>
             </a:xfrm>
             <a:custGeom>
               <a:avLst/>
               <a:pathLst>
-                <a:path w="3623211" h="110842">
+                <a:path w="3623211" h="98999">
                   <a:moveTo>
-                    <a:pt x="0" y="110842"/>
+                    <a:pt x="0" y="98999"/>
                   </a:moveTo>
                   <a:lnTo>
-                    <a:pt x="301934" y="110842"/>
-                  </a:lnTo>
-                  <a:lnTo>
-                    <a:pt x="603868" y="110842"/>
-                  </a:lnTo>
-                  <a:lnTo>
-                    <a:pt x="905802" y="110842"/>
-                  </a:lnTo>
-                  <a:lnTo>
-                    <a:pt x="1207737" y="110842"/>
-                  </a:lnTo>
-                  <a:lnTo>
-                    <a:pt x="1509671" y="110842"/>
-                  </a:lnTo>
-                  <a:lnTo>
-                    <a:pt x="1811605" y="110842"/>
-                  </a:lnTo>
-                  <a:lnTo>
-                    <a:pt x="2113539" y="110842"/>
-                  </a:lnTo>
-                  <a:lnTo>
-                    <a:pt x="2415474" y="103078"/>
-                  </a:lnTo>
-                  <a:lnTo>
-                    <a:pt x="2717408" y="84801"/>
-                  </a:lnTo>
-                  <a:lnTo>
-                    <a:pt x="3019342" y="32993"/>
+                    <a:pt x="301934" y="98999"/>
+                  </a:lnTo>
+                  <a:lnTo>
+                    <a:pt x="603868" y="98999"/>
+                  </a:lnTo>
+                  <a:lnTo>
+                    <a:pt x="905802" y="98999"/>
+                  </a:lnTo>
+                  <a:lnTo>
+                    <a:pt x="1207737" y="98999"/>
+                  </a:lnTo>
+                  <a:lnTo>
+                    <a:pt x="1509671" y="98999"/>
+                  </a:lnTo>
+                  <a:lnTo>
+                    <a:pt x="1811605" y="98999"/>
+                  </a:lnTo>
+                  <a:lnTo>
+                    <a:pt x="2113539" y="98999"/>
+                  </a:lnTo>
+                  <a:lnTo>
+                    <a:pt x="2415474" y="92066"/>
+                  </a:lnTo>
+                  <a:lnTo>
+                    <a:pt x="2717408" y="75741"/>
+                  </a:lnTo>
+                  <a:lnTo>
+                    <a:pt x="3019342" y="29468"/>
                   </a:lnTo>
                   <a:lnTo>
                     <a:pt x="3321277" y="0"/>
                   </a:lnTo>
                   <a:lnTo>
-                    <a:pt x="3623211" y="21394"/>
+                    <a:pt x="3623211" y="19108"/>
                   </a:lnTo>
                 </a:path>
               </a:pathLst>
@@ -4084,7 +4084,7 @@
           </p:nvSpPr>
           <p:spPr>
             <a:xfrm>
-              <a:off x="2390731" y="5415875"/>
+              <a:off x="2390731" y="5435698"/>
               <a:ext cx="237291" cy="89118"/>
             </a:xfrm>
             <a:prstGeom prst="rect">
@@ -4130,7 +4130,7 @@
           </p:nvSpPr>
           <p:spPr>
             <a:xfrm>
-              <a:off x="2390731" y="4488174"/>
+              <a:off x="2390731" y="4607113"/>
               <a:ext cx="237291" cy="89118"/>
             </a:xfrm>
             <a:prstGeom prst="rect">
@@ -4176,7 +4176,7 @@
           </p:nvSpPr>
           <p:spPr>
             <a:xfrm>
-              <a:off x="2390731" y="3560473"/>
+              <a:off x="2390731" y="3778528"/>
               <a:ext cx="237291" cy="89118"/>
             </a:xfrm>
             <a:prstGeom prst="rect">
@@ -4222,7 +4222,7 @@
           </p:nvSpPr>
           <p:spPr>
             <a:xfrm>
-              <a:off x="2390731" y="2632773"/>
+              <a:off x="2390731" y="2949943"/>
               <a:ext cx="237291" cy="89118"/>
             </a:xfrm>
             <a:prstGeom prst="rect">
@@ -4268,7 +4268,7 @@
           </p:nvSpPr>
           <p:spPr>
             <a:xfrm>
-              <a:off x="2390731" y="1705072"/>
+              <a:off x="2390731" y="2121357"/>
               <a:ext cx="237291" cy="89118"/>
             </a:xfrm>
             <a:prstGeom prst="rect">
@@ -4314,7 +4314,7 @@
           </p:nvSpPr>
           <p:spPr>
             <a:xfrm>
-              <a:off x="2655858" y="5461357"/>
+              <a:off x="2655858" y="5481180"/>
               <a:ext cx="34794" cy="0"/>
             </a:xfrm>
             <a:custGeom>
@@ -4354,7 +4354,7 @@
           </p:nvSpPr>
           <p:spPr>
             <a:xfrm>
-              <a:off x="2655858" y="4533656"/>
+              <a:off x="2655858" y="4652595"/>
               <a:ext cx="34794" cy="0"/>
             </a:xfrm>
             <a:custGeom>
@@ -4394,7 +4394,7 @@
           </p:nvSpPr>
           <p:spPr>
             <a:xfrm>
-              <a:off x="2655858" y="3605955"/>
+              <a:off x="2655858" y="3824010"/>
               <a:ext cx="34794" cy="0"/>
             </a:xfrm>
             <a:custGeom>
@@ -4434,7 +4434,7 @@
           </p:nvSpPr>
           <p:spPr>
             <a:xfrm>
-              <a:off x="2655858" y="2678254"/>
+              <a:off x="2655858" y="2995424"/>
               <a:ext cx="34794" cy="0"/>
             </a:xfrm>
             <a:custGeom>
@@ -4474,7 +4474,7 @@
           </p:nvSpPr>
           <p:spPr>
             <a:xfrm>
-              <a:off x="2655858" y="1750554"/>
+              <a:off x="2655858" y="2166839"/>
               <a:ext cx="34794" cy="0"/>
             </a:xfrm>
             <a:custGeom>
@@ -4904,7 +4904,7 @@
           </p:nvSpPr>
           <p:spPr>
             <a:xfrm rot="-5400000">
-              <a:off x="866427" y="3534443"/>
+              <a:off x="866427" y="3752498"/>
               <a:ext cx="2778844" cy="143023"/>
             </a:xfrm>
             <a:prstGeom prst="rect">
@@ -4950,7 +4950,7 @@
           </p:nvSpPr>
           <p:spPr>
             <a:xfrm>
-              <a:off x="6711843" y="2983297"/>
+              <a:off x="6711843" y="3201351"/>
               <a:ext cx="1768049" cy="1245317"/>
             </a:xfrm>
             <a:prstGeom prst="rect">
@@ -4976,7 +4976,7 @@
           </p:nvSpPr>
           <p:spPr>
             <a:xfrm>
-              <a:off x="6781432" y="3072754"/>
+              <a:off x="6781432" y="3290808"/>
               <a:ext cx="457423" cy="110876"/>
             </a:xfrm>
             <a:prstGeom prst="rect">
@@ -5022,7 +5022,7 @@
           </p:nvSpPr>
           <p:spPr>
             <a:xfrm>
-              <a:off x="6781432" y="3281201"/>
+              <a:off x="6781432" y="3499255"/>
               <a:ext cx="219455" cy="219456"/>
             </a:xfrm>
             <a:prstGeom prst="rect">
@@ -5043,8 +5043,8 @@
           </p:nvSpPr>
           <p:spPr>
             <a:xfrm>
-              <a:off x="6790432" y="3290201"/>
-              <a:ext cx="201455" cy="201456"/>
+              <a:off x="6790432" y="3508255"/>
+              <a:ext cx="201455" cy="201455"/>
             </a:xfrm>
             <a:prstGeom prst="rect">
               <a:avLst/>
@@ -5069,7 +5069,7 @@
           </p:nvSpPr>
           <p:spPr>
             <a:xfrm>
-              <a:off x="6781432" y="3500657"/>
+              <a:off x="6781432" y="3718711"/>
               <a:ext cx="219455" cy="219456"/>
             </a:xfrm>
             <a:prstGeom prst="rect">
@@ -5090,7 +5090,7 @@
           </p:nvSpPr>
           <p:spPr>
             <a:xfrm>
-              <a:off x="6790432" y="3509657"/>
+              <a:off x="6790432" y="3727711"/>
               <a:ext cx="201455" cy="201455"/>
             </a:xfrm>
             <a:prstGeom prst="rect">
@@ -5116,8 +5116,8 @@
           </p:nvSpPr>
           <p:spPr>
             <a:xfrm>
-              <a:off x="6781432" y="3720113"/>
-              <a:ext cx="219455" cy="219455"/>
+              <a:off x="6781432" y="3938167"/>
+              <a:ext cx="219455" cy="219456"/>
             </a:xfrm>
             <a:prstGeom prst="rect">
               <a:avLst/>
@@ -5137,8 +5137,8 @@
           </p:nvSpPr>
           <p:spPr>
             <a:xfrm>
-              <a:off x="6790432" y="3729113"/>
-              <a:ext cx="201455" cy="201456"/>
+              <a:off x="6790432" y="3947167"/>
+              <a:ext cx="201455" cy="201455"/>
             </a:xfrm>
             <a:prstGeom prst="rect">
               <a:avLst/>
@@ -5163,7 +5163,7 @@
           </p:nvSpPr>
           <p:spPr>
             <a:xfrm>
-              <a:off x="6781432" y="3939569"/>
+              <a:off x="6781432" y="4157623"/>
               <a:ext cx="219455" cy="219455"/>
             </a:xfrm>
             <a:prstGeom prst="rect">
@@ -5184,7 +5184,7 @@
           </p:nvSpPr>
           <p:spPr>
             <a:xfrm>
-              <a:off x="6790432" y="3948569"/>
+              <a:off x="6790432" y="4166623"/>
               <a:ext cx="201455" cy="201456"/>
             </a:xfrm>
             <a:prstGeom prst="rect">
@@ -5210,7 +5210,7 @@
           </p:nvSpPr>
           <p:spPr>
             <a:xfrm>
-              <a:off x="7076803" y="3321635"/>
+              <a:off x="7076803" y="3539689"/>
               <a:ext cx="474345" cy="112930"/>
             </a:xfrm>
             <a:prstGeom prst="rect">
@@ -5256,7 +5256,7 @@
           </p:nvSpPr>
           <p:spPr>
             <a:xfrm>
-              <a:off x="7076803" y="3539602"/>
+              <a:off x="7076803" y="3757657"/>
               <a:ext cx="921543" cy="114419"/>
             </a:xfrm>
             <a:prstGeom prst="rect">
@@ -5302,7 +5302,7 @@
           </p:nvSpPr>
           <p:spPr>
             <a:xfrm>
-              <a:off x="7076803" y="3759058"/>
+              <a:off x="7076803" y="3977113"/>
               <a:ext cx="1314747" cy="114419"/>
             </a:xfrm>
             <a:prstGeom prst="rect">
@@ -5348,7 +5348,7 @@
           </p:nvSpPr>
           <p:spPr>
             <a:xfrm>
-              <a:off x="7076803" y="3978514"/>
+              <a:off x="7076803" y="4196569"/>
               <a:ext cx="1050369" cy="114419"/>
             </a:xfrm>
             <a:prstGeom prst="rect">
@@ -5382,6 +5382,98 @@
                   <a:cs typeface="Arial"/>
                 </a:rPr>
                 <a:t>501Y.V3 (Brazilian)</a:t>
+              </a:r>
+            </a:p>
+          </p:txBody>
+        </p:sp>
+        <p:sp>
+          <p:nvSpPr>
+            <p:cNvPr id="52" name="tx52"/>
+            <p:cNvSpPr/>
+            <p:nvPr/>
+          </p:nvSpPr>
+          <p:spPr>
+            <a:xfrm>
+              <a:off x="2690652" y="1526437"/>
+              <a:ext cx="3781454" cy="169485"/>
+            </a:xfrm>
+            <a:prstGeom prst="rect">
+              <a:avLst/>
+            </a:prstGeom>
+            <a:noFill/>
+          </p:spPr>
+          <p:txBody>
+            <a:bodyPr lIns="0" rIns="0" tIns="0" bIns="0" anchorCtr="1" anchor="ctr" wrap="none"/>
+            <a:lstStyle/>
+            <a:p>
+              <a:pPr algn="l" marL="0" marR="0" indent="0">
+                <a:lnSpc>
+                  <a:spcPts val="1439"/>
+                </a:lnSpc>
+                <a:spcBef>
+                  <a:spcPts val="0"/>
+                </a:spcBef>
+                <a:spcAft>
+                  <a:spcPts val="0"/>
+                </a:spcAft>
+              </a:pPr>
+              <a:r>
+                <a:rPr sz="1439">
+                  <a:solidFill>
+                    <a:srgbClr val="000000">
+                      <a:alpha val="100000"/>
+                    </a:srgbClr>
+                  </a:solidFill>
+                  <a:latin typeface="Arial"/>
+                  <a:cs typeface="Arial"/>
+                </a:rPr>
+                <a:t>Spread of the British, South African &amp; Brazilian</a:t>
+              </a:r>
+            </a:p>
+          </p:txBody>
+        </p:sp>
+        <p:sp>
+          <p:nvSpPr>
+            <p:cNvPr id="53" name="tx53"/>
+            <p:cNvSpPr/>
+            <p:nvPr/>
+          </p:nvSpPr>
+          <p:spPr>
+            <a:xfrm>
+              <a:off x="2690652" y="1721805"/>
+              <a:ext cx="5397371" cy="171628"/>
+            </a:xfrm>
+            <a:prstGeom prst="rect">
+              <a:avLst/>
+            </a:prstGeom>
+            <a:noFill/>
+          </p:spPr>
+          <p:txBody>
+            <a:bodyPr lIns="0" rIns="0" tIns="0" bIns="0" anchorCtr="1" anchor="ctr" wrap="none"/>
+            <a:lstStyle/>
+            <a:p>
+              <a:pPr algn="l" marL="0" marR="0" indent="0">
+                <a:lnSpc>
+                  <a:spcPts val="1439"/>
+                </a:lnSpc>
+                <a:spcBef>
+                  <a:spcPts val="0"/>
+                </a:spcBef>
+                <a:spcAft>
+                  <a:spcPts val="0"/>
+                </a:spcAft>
+              </a:pPr>
+              <a:r>
+                <a:rPr sz="1439">
+                  <a:solidFill>
+                    <a:srgbClr val="000000">
+                      <a:alpha val="100000"/>
+                    </a:srgbClr>
+                  </a:solidFill>
+                  <a:latin typeface="Arial"/>
+                  <a:cs typeface="Arial"/>
+                </a:rPr>
+                <a:t>SARS-CoV2 variants in Belgium (baseline plus active surveillance)</a:t>
               </a:r>
             </a:p>
           </p:txBody>
